--- a/Templates/DSP_POSTER_TEMPLATE.pptx
+++ b/Templates/DSP_POSTER_TEMPLATE.pptx
@@ -104,6 +104,11 @@
       </a:defRPr>
     </a:lvl9pPr>
   </p:defaultTextStyle>
+  <p:extLst>
+    <p:ext uri="{EFAFB233-063F-42B5-8137-9DF3F51BA10A}">
+      <p15:sldGuideLst xmlns:p15="http://schemas.microsoft.com/office/powerpoint/2012/main"/>
+    </p:ext>
+  </p:extLst>
 </p:presentation>
 </file>
 
@@ -238,7 +243,7 @@
           <a:p>
             <a:fld id="{3A675787-DA3F-4332-A401-8C5831ED470E}" type="datetimeFigureOut">
               <a:rPr lang="en-US" smtClean="0"/>
-              <a:t>3/19/2025</a:t>
+              <a:t>3/20/2025</a:t>
             </a:fld>
             <a:endParaRPr lang="en-US"/>
           </a:p>
@@ -280,7 +285,7 @@
           <a:p>
             <a:fld id="{E196A55A-7F8B-4F47-9A8B-50961D5C2917}" type="slidenum">
               <a:rPr lang="en-US" smtClean="0"/>
-              <a:t>‹#›</a:t>
+              <a:t>‹Nr.›</a:t>
             </a:fld>
             <a:endParaRPr lang="en-US"/>
           </a:p>
@@ -408,7 +413,7 @@
           <a:p>
             <a:fld id="{3A675787-DA3F-4332-A401-8C5831ED470E}" type="datetimeFigureOut">
               <a:rPr lang="en-US" smtClean="0"/>
-              <a:t>3/19/2025</a:t>
+              <a:t>3/20/2025</a:t>
             </a:fld>
             <a:endParaRPr lang="en-US"/>
           </a:p>
@@ -450,7 +455,7 @@
           <a:p>
             <a:fld id="{E196A55A-7F8B-4F47-9A8B-50961D5C2917}" type="slidenum">
               <a:rPr lang="en-US" smtClean="0"/>
-              <a:t>‹#›</a:t>
+              <a:t>‹Nr.›</a:t>
             </a:fld>
             <a:endParaRPr lang="en-US"/>
           </a:p>
@@ -588,7 +593,7 @@
           <a:p>
             <a:fld id="{3A675787-DA3F-4332-A401-8C5831ED470E}" type="datetimeFigureOut">
               <a:rPr lang="en-US" smtClean="0"/>
-              <a:t>3/19/2025</a:t>
+              <a:t>3/20/2025</a:t>
             </a:fld>
             <a:endParaRPr lang="en-US"/>
           </a:p>
@@ -630,7 +635,7 @@
           <a:p>
             <a:fld id="{E196A55A-7F8B-4F47-9A8B-50961D5C2917}" type="slidenum">
               <a:rPr lang="en-US" smtClean="0"/>
-              <a:t>‹#›</a:t>
+              <a:t>‹Nr.›</a:t>
             </a:fld>
             <a:endParaRPr lang="en-US"/>
           </a:p>
@@ -758,7 +763,7 @@
           <a:p>
             <a:fld id="{3A675787-DA3F-4332-A401-8C5831ED470E}" type="datetimeFigureOut">
               <a:rPr lang="en-US" smtClean="0"/>
-              <a:t>3/19/2025</a:t>
+              <a:t>3/20/2025</a:t>
             </a:fld>
             <a:endParaRPr lang="en-US"/>
           </a:p>
@@ -800,7 +805,7 @@
           <a:p>
             <a:fld id="{E196A55A-7F8B-4F47-9A8B-50961D5C2917}" type="slidenum">
               <a:rPr lang="en-US" smtClean="0"/>
-              <a:t>‹#›</a:t>
+              <a:t>‹Nr.›</a:t>
             </a:fld>
             <a:endParaRPr lang="en-US"/>
           </a:p>
@@ -1002,7 +1007,7 @@
           <a:p>
             <a:fld id="{3A675787-DA3F-4332-A401-8C5831ED470E}" type="datetimeFigureOut">
               <a:rPr lang="en-US" smtClean="0"/>
-              <a:t>3/19/2025</a:t>
+              <a:t>3/20/2025</a:t>
             </a:fld>
             <a:endParaRPr lang="en-US"/>
           </a:p>
@@ -1044,7 +1049,7 @@
           <a:p>
             <a:fld id="{E196A55A-7F8B-4F47-9A8B-50961D5C2917}" type="slidenum">
               <a:rPr lang="en-US" smtClean="0"/>
-              <a:t>‹#›</a:t>
+              <a:t>‹Nr.›</a:t>
             </a:fld>
             <a:endParaRPr lang="en-US"/>
           </a:p>
@@ -1234,7 +1239,7 @@
           <a:p>
             <a:fld id="{3A675787-DA3F-4332-A401-8C5831ED470E}" type="datetimeFigureOut">
               <a:rPr lang="en-US" smtClean="0"/>
-              <a:t>3/19/2025</a:t>
+              <a:t>3/20/2025</a:t>
             </a:fld>
             <a:endParaRPr lang="en-US"/>
           </a:p>
@@ -1276,7 +1281,7 @@
           <a:p>
             <a:fld id="{E196A55A-7F8B-4F47-9A8B-50961D5C2917}" type="slidenum">
               <a:rPr lang="en-US" smtClean="0"/>
-              <a:t>‹#›</a:t>
+              <a:t>‹Nr.›</a:t>
             </a:fld>
             <a:endParaRPr lang="en-US"/>
           </a:p>
@@ -1601,7 +1606,7 @@
           <a:p>
             <a:fld id="{3A675787-DA3F-4332-A401-8C5831ED470E}" type="datetimeFigureOut">
               <a:rPr lang="en-US" smtClean="0"/>
-              <a:t>3/19/2025</a:t>
+              <a:t>3/20/2025</a:t>
             </a:fld>
             <a:endParaRPr lang="en-US"/>
           </a:p>
@@ -1643,7 +1648,7 @@
           <a:p>
             <a:fld id="{E196A55A-7F8B-4F47-9A8B-50961D5C2917}" type="slidenum">
               <a:rPr lang="en-US" smtClean="0"/>
-              <a:t>‹#›</a:t>
+              <a:t>‹Nr.›</a:t>
             </a:fld>
             <a:endParaRPr lang="en-US"/>
           </a:p>
@@ -1719,7 +1724,7 @@
           <a:p>
             <a:fld id="{3A675787-DA3F-4332-A401-8C5831ED470E}" type="datetimeFigureOut">
               <a:rPr lang="en-US" smtClean="0"/>
-              <a:t>3/19/2025</a:t>
+              <a:t>3/20/2025</a:t>
             </a:fld>
             <a:endParaRPr lang="en-US"/>
           </a:p>
@@ -1761,7 +1766,7 @@
           <a:p>
             <a:fld id="{E196A55A-7F8B-4F47-9A8B-50961D5C2917}" type="slidenum">
               <a:rPr lang="en-US" smtClean="0"/>
-              <a:t>‹#›</a:t>
+              <a:t>‹Nr.›</a:t>
             </a:fld>
             <a:endParaRPr lang="en-US"/>
           </a:p>
@@ -1814,7 +1819,7 @@
           <a:p>
             <a:fld id="{3A675787-DA3F-4332-A401-8C5831ED470E}" type="datetimeFigureOut">
               <a:rPr lang="en-US" smtClean="0"/>
-              <a:t>3/19/2025</a:t>
+              <a:t>3/20/2025</a:t>
             </a:fld>
             <a:endParaRPr lang="en-US"/>
           </a:p>
@@ -1856,7 +1861,7 @@
           <a:p>
             <a:fld id="{E196A55A-7F8B-4F47-9A8B-50961D5C2917}" type="slidenum">
               <a:rPr lang="en-US" smtClean="0"/>
-              <a:t>‹#›</a:t>
+              <a:t>‹Nr.›</a:t>
             </a:fld>
             <a:endParaRPr lang="en-US"/>
           </a:p>
@@ -2091,7 +2096,7 @@
           <a:p>
             <a:fld id="{3A675787-DA3F-4332-A401-8C5831ED470E}" type="datetimeFigureOut">
               <a:rPr lang="en-US" smtClean="0"/>
-              <a:t>3/19/2025</a:t>
+              <a:t>3/20/2025</a:t>
             </a:fld>
             <a:endParaRPr lang="en-US"/>
           </a:p>
@@ -2133,7 +2138,7 @@
           <a:p>
             <a:fld id="{E196A55A-7F8B-4F47-9A8B-50961D5C2917}" type="slidenum">
               <a:rPr lang="en-US" smtClean="0"/>
-              <a:t>‹#›</a:t>
+              <a:t>‹Nr.›</a:t>
             </a:fld>
             <a:endParaRPr lang="en-US"/>
           </a:p>
@@ -2348,7 +2353,7 @@
           <a:p>
             <a:fld id="{3A675787-DA3F-4332-A401-8C5831ED470E}" type="datetimeFigureOut">
               <a:rPr lang="en-US" smtClean="0"/>
-              <a:t>3/19/2025</a:t>
+              <a:t>3/20/2025</a:t>
             </a:fld>
             <a:endParaRPr lang="en-US"/>
           </a:p>
@@ -2390,7 +2395,7 @@
           <a:p>
             <a:fld id="{E196A55A-7F8B-4F47-9A8B-50961D5C2917}" type="slidenum">
               <a:rPr lang="en-US" smtClean="0"/>
-              <a:t>‹#›</a:t>
+              <a:t>‹Nr.›</a:t>
             </a:fld>
             <a:endParaRPr lang="en-US"/>
           </a:p>
@@ -2561,7 +2566,7 @@
           <a:p>
             <a:fld id="{3A675787-DA3F-4332-A401-8C5831ED470E}" type="datetimeFigureOut">
               <a:rPr lang="en-US" smtClean="0"/>
-              <a:t>3/19/2025</a:t>
+              <a:t>3/20/2025</a:t>
             </a:fld>
             <a:endParaRPr lang="en-US"/>
           </a:p>
@@ -2639,7 +2644,7 @@
           <a:p>
             <a:fld id="{E196A55A-7F8B-4F47-9A8B-50961D5C2917}" type="slidenum">
               <a:rPr lang="en-US" smtClean="0"/>
-              <a:t>‹#›</a:t>
+              <a:t>‹Nr.›</a:t>
             </a:fld>
             <a:endParaRPr lang="en-US"/>
           </a:p>
@@ -3052,23 +3057,33 @@
           <a:lstStyle/>
           <a:p>
             <a:r>
-              <a:rPr lang="en-US" sz="8000" b="1" noProof="0" dirty="0">
+              <a:rPr lang="en-US" sz="8000" b="1" dirty="0">
                 <a:solidFill>
                   <a:schemeClr val="bg1"/>
                 </a:solidFill>
               </a:rPr>
-              <a:t>Title</a:t>
-            </a:r>
-          </a:p>
-          <a:p>
-            <a:r>
-              <a:rPr lang="en-US" sz="8000" b="1" noProof="0" dirty="0">
+              <a:t>Darts Statistics and </a:t>
+            </a:r>
+            <a:endParaRPr lang="en-US" sz="8000" b="1" noProof="0" dirty="0">
+              <a:solidFill>
+                <a:schemeClr val="bg1"/>
+              </a:solidFill>
+            </a:endParaRPr>
+          </a:p>
+          <a:p>
+            <a:r>
+              <a:rPr lang="en-US" sz="8000" b="1" dirty="0">
                 <a:solidFill>
                   <a:schemeClr val="bg1"/>
                 </a:solidFill>
               </a:rPr>
-              <a:t>Team members</a:t>
-            </a:r>
+              <a:t>Emilie Terhaar, Sara Rolfs, Tyra Kausch</a:t>
+            </a:r>
+            <a:endParaRPr lang="en-US" sz="8000" b="1" noProof="0" dirty="0">
+              <a:solidFill>
+                <a:schemeClr val="bg1"/>
+              </a:solidFill>
+            </a:endParaRPr>
           </a:p>
         </p:txBody>
       </p:sp>
@@ -3749,20 +3764,8 @@
           <a:lstStyle/>
           <a:p>
             <a:r>
-              <a:rPr lang="tr-TR" sz="6000" noProof="0" dirty="0" err="1"/>
-              <a:t>List</a:t>
-            </a:r>
-            <a:r>
               <a:rPr lang="tr-TR" sz="6000" noProof="0" dirty="0"/>
-              <a:t> </a:t>
-            </a:r>
-            <a:r>
-              <a:rPr lang="tr-TR" sz="6000" noProof="0" dirty="0" err="1"/>
-              <a:t>the</a:t>
-            </a:r>
-            <a:r>
-              <a:rPr lang="tr-TR" sz="6000" noProof="0" dirty="0"/>
-              <a:t> </a:t>
+              <a:t>List the</a:t>
             </a:r>
             <a:r>
               <a:rPr lang="en-US" sz="6000" noProof="0" dirty="0"/>

--- a/Templates/DSP_POSTER_TEMPLATE.pptx
+++ b/Templates/DSP_POSTER_TEMPLATE.pptx
@@ -243,7 +243,7 @@
           <a:p>
             <a:fld id="{3A675787-DA3F-4332-A401-8C5831ED470E}" type="datetimeFigureOut">
               <a:rPr lang="en-US" smtClean="0"/>
-              <a:t>3/20/2025</a:t>
+              <a:t>3/21/2025</a:t>
             </a:fld>
             <a:endParaRPr lang="en-US"/>
           </a:p>
@@ -413,7 +413,7 @@
           <a:p>
             <a:fld id="{3A675787-DA3F-4332-A401-8C5831ED470E}" type="datetimeFigureOut">
               <a:rPr lang="en-US" smtClean="0"/>
-              <a:t>3/20/2025</a:t>
+              <a:t>3/21/2025</a:t>
             </a:fld>
             <a:endParaRPr lang="en-US"/>
           </a:p>
@@ -593,7 +593,7 @@
           <a:p>
             <a:fld id="{3A675787-DA3F-4332-A401-8C5831ED470E}" type="datetimeFigureOut">
               <a:rPr lang="en-US" smtClean="0"/>
-              <a:t>3/20/2025</a:t>
+              <a:t>3/21/2025</a:t>
             </a:fld>
             <a:endParaRPr lang="en-US"/>
           </a:p>
@@ -763,7 +763,7 @@
           <a:p>
             <a:fld id="{3A675787-DA3F-4332-A401-8C5831ED470E}" type="datetimeFigureOut">
               <a:rPr lang="en-US" smtClean="0"/>
-              <a:t>3/20/2025</a:t>
+              <a:t>3/21/2025</a:t>
             </a:fld>
             <a:endParaRPr lang="en-US"/>
           </a:p>
@@ -1007,7 +1007,7 @@
           <a:p>
             <a:fld id="{3A675787-DA3F-4332-A401-8C5831ED470E}" type="datetimeFigureOut">
               <a:rPr lang="en-US" smtClean="0"/>
-              <a:t>3/20/2025</a:t>
+              <a:t>3/21/2025</a:t>
             </a:fld>
             <a:endParaRPr lang="en-US"/>
           </a:p>
@@ -1239,7 +1239,7 @@
           <a:p>
             <a:fld id="{3A675787-DA3F-4332-A401-8C5831ED470E}" type="datetimeFigureOut">
               <a:rPr lang="en-US" smtClean="0"/>
-              <a:t>3/20/2025</a:t>
+              <a:t>3/21/2025</a:t>
             </a:fld>
             <a:endParaRPr lang="en-US"/>
           </a:p>
@@ -1606,7 +1606,7 @@
           <a:p>
             <a:fld id="{3A675787-DA3F-4332-A401-8C5831ED470E}" type="datetimeFigureOut">
               <a:rPr lang="en-US" smtClean="0"/>
-              <a:t>3/20/2025</a:t>
+              <a:t>3/21/2025</a:t>
             </a:fld>
             <a:endParaRPr lang="en-US"/>
           </a:p>
@@ -1724,7 +1724,7 @@
           <a:p>
             <a:fld id="{3A675787-DA3F-4332-A401-8C5831ED470E}" type="datetimeFigureOut">
               <a:rPr lang="en-US" smtClean="0"/>
-              <a:t>3/20/2025</a:t>
+              <a:t>3/21/2025</a:t>
             </a:fld>
             <a:endParaRPr lang="en-US"/>
           </a:p>
@@ -1819,7 +1819,7 @@
           <a:p>
             <a:fld id="{3A675787-DA3F-4332-A401-8C5831ED470E}" type="datetimeFigureOut">
               <a:rPr lang="en-US" smtClean="0"/>
-              <a:t>3/20/2025</a:t>
+              <a:t>3/21/2025</a:t>
             </a:fld>
             <a:endParaRPr lang="en-US"/>
           </a:p>
@@ -2096,7 +2096,7 @@
           <a:p>
             <a:fld id="{3A675787-DA3F-4332-A401-8C5831ED470E}" type="datetimeFigureOut">
               <a:rPr lang="en-US" smtClean="0"/>
-              <a:t>3/20/2025</a:t>
+              <a:t>3/21/2025</a:t>
             </a:fld>
             <a:endParaRPr lang="en-US"/>
           </a:p>
@@ -2353,7 +2353,7 @@
           <a:p>
             <a:fld id="{3A675787-DA3F-4332-A401-8C5831ED470E}" type="datetimeFigureOut">
               <a:rPr lang="en-US" smtClean="0"/>
-              <a:t>3/20/2025</a:t>
+              <a:t>3/21/2025</a:t>
             </a:fld>
             <a:endParaRPr lang="en-US"/>
           </a:p>
@@ -2566,7 +2566,7 @@
           <a:p>
             <a:fld id="{3A675787-DA3F-4332-A401-8C5831ED470E}" type="datetimeFigureOut">
               <a:rPr lang="en-US" smtClean="0"/>
-              <a:t>3/20/2025</a:t>
+              <a:t>3/21/2025</a:t>
             </a:fld>
             <a:endParaRPr lang="en-US"/>
           </a:p>
@@ -3001,7 +3001,7 @@
         </p:nvCxnSpPr>
         <p:spPr>
           <a:xfrm>
-            <a:off x="15133637" y="3714750"/>
+            <a:off x="14582615" y="3011745"/>
             <a:ext cx="0" cy="31546800"/>
           </a:xfrm>
           <a:prstGeom prst="line">
@@ -3062,13 +3062,8 @@
                   <a:schemeClr val="bg1"/>
                 </a:solidFill>
               </a:rPr>
-              <a:t>Darts Statistics and </a:t>
-            </a:r>
-            <a:endParaRPr lang="en-US" sz="8000" b="1" noProof="0" dirty="0">
-              <a:solidFill>
-                <a:schemeClr val="bg1"/>
-              </a:solidFill>
-            </a:endParaRPr>
+              <a:t>Darts </a:t>
+            </a:r>
           </a:p>
           <a:p>
             <a:r>
@@ -3101,8 +3096,8 @@
         </p:nvSpPr>
         <p:spPr>
           <a:xfrm>
-            <a:off x="1085850" y="4310152"/>
-            <a:ext cx="11201397" cy="1446550"/>
+            <a:off x="322619" y="3760580"/>
+            <a:ext cx="4121790" cy="1015663"/>
           </a:xfrm>
           <a:prstGeom prst="rect">
             <a:avLst/>
@@ -3116,14 +3111,14 @@
           <a:lstStyle/>
           <a:p>
             <a:r>
-              <a:rPr lang="tr-TR" sz="8800" dirty="0">
+              <a:rPr lang="tr-TR" sz="6000" dirty="0">
                 <a:solidFill>
                   <a:srgbClr val="9B0A7D"/>
                 </a:solidFill>
               </a:rPr>
               <a:t>Introduction</a:t>
             </a:r>
-            <a:endParaRPr lang="en-US" sz="8800" dirty="0">
+            <a:endParaRPr lang="en-US" sz="6000" dirty="0">
               <a:solidFill>
                 <a:srgbClr val="9B0A7D"/>
               </a:solidFill>
@@ -3145,8 +3140,8 @@
         </p:nvSpPr>
         <p:spPr>
           <a:xfrm>
-            <a:off x="1085850" y="9263152"/>
-            <a:ext cx="3863878" cy="1446550"/>
+            <a:off x="322618" y="8713580"/>
+            <a:ext cx="2849452" cy="1015663"/>
           </a:xfrm>
           <a:prstGeom prst="rect">
             <a:avLst/>
@@ -3154,20 +3149,20 @@
           <a:noFill/>
         </p:spPr>
         <p:txBody>
-          <a:bodyPr wrap="none" rtlCol="0">
+          <a:bodyPr wrap="square" rtlCol="0">
             <a:spAutoFit/>
           </a:bodyPr>
           <a:lstStyle/>
           <a:p>
             <a:r>
-              <a:rPr lang="tr-TR" sz="8800">
+              <a:rPr lang="tr-TR" sz="6000" dirty="0">
                 <a:solidFill>
                   <a:srgbClr val="9B0A7D"/>
                 </a:solidFill>
               </a:rPr>
               <a:t>Method</a:t>
             </a:r>
-            <a:endParaRPr lang="en-US" sz="8800" dirty="0">
+            <a:endParaRPr lang="en-US" sz="6000" dirty="0">
               <a:solidFill>
                 <a:srgbClr val="9B0A7D"/>
               </a:solidFill>
@@ -3189,8 +3184,8 @@
         </p:nvSpPr>
         <p:spPr>
           <a:xfrm>
-            <a:off x="1085850" y="6063377"/>
-            <a:ext cx="8258736" cy="1015663"/>
+            <a:off x="322618" y="5023565"/>
+            <a:ext cx="5716326" cy="707886"/>
           </a:xfrm>
           <a:prstGeom prst="rect">
             <a:avLst/>
@@ -3198,32 +3193,16 @@
           <a:noFill/>
         </p:spPr>
         <p:txBody>
-          <a:bodyPr wrap="none" rtlCol="0">
+          <a:bodyPr wrap="square" rtlCol="0">
             <a:spAutoFit/>
           </a:bodyPr>
           <a:lstStyle/>
           <a:p>
             <a:r>
-              <a:rPr lang="tr-TR" sz="6000" dirty="0" err="1"/>
-              <a:t>What</a:t>
-            </a:r>
-            <a:r>
-              <a:rPr lang="tr-TR" sz="6000" dirty="0"/>
-              <a:t> </a:t>
-            </a:r>
-            <a:r>
-              <a:rPr lang="tr-TR" sz="6000" dirty="0" err="1"/>
-              <a:t>this</a:t>
-            </a:r>
-            <a:r>
-              <a:rPr lang="tr-TR" sz="6000" dirty="0"/>
-              <a:t> Project is </a:t>
-            </a:r>
-            <a:r>
-              <a:rPr lang="tr-TR" sz="6000" dirty="0" err="1"/>
-              <a:t>about</a:t>
-            </a:r>
-            <a:endParaRPr lang="en-US" sz="6000" dirty="0"/>
+              <a:rPr lang="tr-TR" sz="4000" dirty="0"/>
+              <a:t>What this Project is about</a:t>
+            </a:r>
+            <a:endParaRPr lang="en-US" sz="4000" dirty="0"/>
           </a:p>
         </p:txBody>
       </p:sp>
@@ -3241,8 +3220,8 @@
         </p:nvSpPr>
         <p:spPr>
           <a:xfrm>
-            <a:off x="1085850" y="11416427"/>
-            <a:ext cx="12240402" cy="1015663"/>
+            <a:off x="322618" y="9976565"/>
+            <a:ext cx="8366026" cy="707886"/>
           </a:xfrm>
           <a:prstGeom prst="rect">
             <a:avLst/>
@@ -3250,13 +3229,13 @@
           <a:noFill/>
         </p:spPr>
         <p:txBody>
-          <a:bodyPr wrap="none" rtlCol="0">
+          <a:bodyPr wrap="square" rtlCol="0">
             <a:spAutoFit/>
           </a:bodyPr>
           <a:lstStyle/>
           <a:p>
             <a:r>
-              <a:rPr lang="en-US" sz="6000" noProof="0" dirty="0"/>
+              <a:rPr lang="en-US" sz="4000" noProof="0" dirty="0"/>
               <a:t>Data collection, cleaning and analyzing</a:t>
             </a:r>
           </a:p>
@@ -3276,8 +3255,8 @@
         </p:nvSpPr>
         <p:spPr>
           <a:xfrm>
-            <a:off x="697506" y="16766193"/>
-            <a:ext cx="3451009" cy="1446550"/>
+            <a:off x="322618" y="13108813"/>
+            <a:ext cx="2459119" cy="1015663"/>
           </a:xfrm>
           <a:prstGeom prst="rect">
             <a:avLst/>
@@ -3285,13 +3264,13 @@
           <a:noFill/>
         </p:spPr>
         <p:txBody>
-          <a:bodyPr wrap="none" rtlCol="0">
+          <a:bodyPr wrap="square" rtlCol="0">
             <a:spAutoFit/>
           </a:bodyPr>
           <a:lstStyle/>
           <a:p>
             <a:r>
-              <a:rPr lang="en-US" sz="8800" noProof="0" dirty="0">
+              <a:rPr lang="en-US" sz="6000" noProof="0" dirty="0">
                 <a:solidFill>
                   <a:srgbClr val="9B0A7D"/>
                 </a:solidFill>
@@ -3315,8 +3294,8 @@
         </p:nvSpPr>
         <p:spPr>
           <a:xfrm>
-            <a:off x="697506" y="18570595"/>
-            <a:ext cx="2674322" cy="1446550"/>
+            <a:off x="322618" y="14565711"/>
+            <a:ext cx="13839798" cy="830997"/>
           </a:xfrm>
           <a:prstGeom prst="rect">
             <a:avLst/>
@@ -3324,20 +3303,28 @@
           <a:noFill/>
         </p:spPr>
         <p:txBody>
-          <a:bodyPr wrap="none" rtlCol="0">
+          <a:bodyPr wrap="square" rtlCol="0">
             <a:spAutoFit/>
           </a:bodyPr>
           <a:lstStyle/>
           <a:p>
             <a:r>
-              <a:rPr lang="tr-TR" sz="8800" dirty="0">
+              <a:rPr lang="en-GB" sz="4800" dirty="0">
                 <a:solidFill>
                   <a:srgbClr val="9B0A7D"/>
                 </a:solidFill>
               </a:rPr>
-              <a:t>RQ1: </a:t>
-            </a:r>
-            <a:endParaRPr lang="en-US" sz="8800" dirty="0">
+              <a:t>How do the averages of tournaments vary over time?</a:t>
+            </a:r>
+            <a:r>
+              <a:rPr lang="tr-TR" sz="4800" dirty="0">
+                <a:solidFill>
+                  <a:srgbClr val="9B0A7D"/>
+                </a:solidFill>
+              </a:rPr>
+              <a:t> </a:t>
+            </a:r>
+            <a:endParaRPr lang="en-US" sz="4800" dirty="0">
               <a:solidFill>
                 <a:srgbClr val="9B0A7D"/>
               </a:solidFill>
@@ -3359,8 +3346,8 @@
         </p:nvSpPr>
         <p:spPr>
           <a:xfrm>
-            <a:off x="697506" y="24581496"/>
-            <a:ext cx="2674322" cy="1446550"/>
+            <a:off x="322618" y="19609253"/>
+            <a:ext cx="13839798" cy="1569660"/>
           </a:xfrm>
           <a:prstGeom prst="rect">
             <a:avLst/>
@@ -3368,20 +3355,28 @@
           <a:noFill/>
         </p:spPr>
         <p:txBody>
-          <a:bodyPr wrap="none" rtlCol="0">
+          <a:bodyPr wrap="square" rtlCol="0">
             <a:spAutoFit/>
           </a:bodyPr>
           <a:lstStyle/>
           <a:p>
             <a:r>
-              <a:rPr lang="tr-TR" sz="8800" dirty="0">
+              <a:rPr lang="en-GB" sz="4800" dirty="0">
                 <a:solidFill>
                   <a:srgbClr val="9B0A7D"/>
                 </a:solidFill>
               </a:rPr>
-              <a:t>RQ2: </a:t>
-            </a:r>
-            <a:endParaRPr lang="en-US" sz="8800" dirty="0">
+              <a:t>How does the price money and number of participants vary over time?</a:t>
+            </a:r>
+            <a:r>
+              <a:rPr lang="tr-TR" sz="4800" dirty="0">
+                <a:solidFill>
+                  <a:srgbClr val="9B0A7D"/>
+                </a:solidFill>
+              </a:rPr>
+              <a:t> </a:t>
+            </a:r>
+            <a:endParaRPr lang="en-US" sz="4800" dirty="0">
               <a:solidFill>
                 <a:srgbClr val="9B0A7D"/>
               </a:solidFill>
@@ -3403,8 +3398,8 @@
         </p:nvSpPr>
         <p:spPr>
           <a:xfrm>
-            <a:off x="787322" y="29869122"/>
-            <a:ext cx="2674322" cy="1446550"/>
+            <a:off x="322618" y="24896879"/>
+            <a:ext cx="13839797" cy="1569660"/>
           </a:xfrm>
           <a:prstGeom prst="rect">
             <a:avLst/>
@@ -3412,20 +3407,28 @@
           <a:noFill/>
         </p:spPr>
         <p:txBody>
-          <a:bodyPr wrap="none" rtlCol="0">
+          <a:bodyPr wrap="square" rtlCol="0">
             <a:spAutoFit/>
           </a:bodyPr>
           <a:lstStyle/>
           <a:p>
             <a:r>
-              <a:rPr lang="tr-TR" sz="8800" dirty="0">
+              <a:rPr lang="en-GB" sz="4800" dirty="0">
                 <a:solidFill>
                   <a:srgbClr val="9B0A7D"/>
                 </a:solidFill>
               </a:rPr>
-              <a:t>RQ3: </a:t>
-            </a:r>
-            <a:endParaRPr lang="en-US" sz="8800" dirty="0">
+              <a:t>How does the country a tournament is held in correlate to the success of players?</a:t>
+            </a:r>
+            <a:r>
+              <a:rPr lang="tr-TR" sz="4800" dirty="0">
+                <a:solidFill>
+                  <a:srgbClr val="9B0A7D"/>
+                </a:solidFill>
+              </a:rPr>
+              <a:t> </a:t>
+            </a:r>
+            <a:endParaRPr lang="en-US" sz="4800" dirty="0">
               <a:solidFill>
                 <a:srgbClr val="9B0A7D"/>
               </a:solidFill>
@@ -3447,8 +3450,8 @@
         </p:nvSpPr>
         <p:spPr>
           <a:xfrm>
-            <a:off x="16015024" y="4616827"/>
-            <a:ext cx="2674322" cy="1446550"/>
+            <a:off x="14909806" y="3760580"/>
+            <a:ext cx="15034841" cy="1569660"/>
           </a:xfrm>
           <a:prstGeom prst="rect">
             <a:avLst/>
@@ -3456,20 +3459,20 @@
           <a:noFill/>
         </p:spPr>
         <p:txBody>
-          <a:bodyPr wrap="none" rtlCol="0">
+          <a:bodyPr wrap="square" rtlCol="0">
             <a:spAutoFit/>
           </a:bodyPr>
           <a:lstStyle/>
           <a:p>
             <a:r>
-              <a:rPr lang="tr-TR" sz="8800" dirty="0">
+              <a:rPr lang="en-GB" sz="4800" dirty="0">
                 <a:solidFill>
                   <a:srgbClr val="9B0A7D"/>
                 </a:solidFill>
               </a:rPr>
-              <a:t>RQ4: </a:t>
-            </a:r>
-            <a:endParaRPr lang="en-US" sz="8800" dirty="0">
+              <a:t>What are most popular double fields and their corresponding checkout quotes?</a:t>
+            </a:r>
+            <a:endParaRPr lang="en-US" sz="4800" dirty="0">
               <a:solidFill>
                 <a:srgbClr val="9B0A7D"/>
               </a:solidFill>
@@ -3491,8 +3494,8 @@
         </p:nvSpPr>
         <p:spPr>
           <a:xfrm>
-            <a:off x="15934850" y="9263152"/>
-            <a:ext cx="2674322" cy="1446550"/>
+            <a:off x="14909806" y="8406905"/>
+            <a:ext cx="15034840" cy="1569660"/>
           </a:xfrm>
           <a:prstGeom prst="rect">
             <a:avLst/>
@@ -3500,20 +3503,20 @@
           <a:noFill/>
         </p:spPr>
         <p:txBody>
-          <a:bodyPr wrap="none" rtlCol="0">
+          <a:bodyPr wrap="square" rtlCol="0">
             <a:spAutoFit/>
           </a:bodyPr>
           <a:lstStyle/>
           <a:p>
             <a:r>
-              <a:rPr lang="tr-TR" sz="8800" dirty="0">
+              <a:rPr lang="en-GB" sz="4800" dirty="0">
                 <a:solidFill>
                   <a:srgbClr val="9B0A7D"/>
                 </a:solidFill>
               </a:rPr>
-              <a:t>RQ5: </a:t>
-            </a:r>
-            <a:endParaRPr lang="en-US" sz="8800" dirty="0">
+              <a:t>How likely is it to throw a 180 after the opponent threw one?</a:t>
+            </a:r>
+            <a:endParaRPr lang="en-US" sz="4800" dirty="0">
               <a:solidFill>
                 <a:srgbClr val="9B0A7D"/>
               </a:solidFill>
@@ -3535,8 +3538,8 @@
         </p:nvSpPr>
         <p:spPr>
           <a:xfrm>
-            <a:off x="16125772" y="14213099"/>
-            <a:ext cx="2452825" cy="1446550"/>
+            <a:off x="14909806" y="13356852"/>
+            <a:ext cx="15034838" cy="1569660"/>
           </a:xfrm>
           <a:prstGeom prst="rect">
             <a:avLst/>
@@ -3550,14 +3553,14 @@
           <a:lstStyle/>
           <a:p>
             <a:r>
-              <a:rPr lang="tr-TR" sz="8800" dirty="0">
+              <a:rPr lang="en-GB" sz="4800" dirty="0">
                 <a:solidFill>
                   <a:srgbClr val="9B0A7D"/>
                 </a:solidFill>
               </a:rPr>
-              <a:t>RQ6: </a:t>
-            </a:r>
-            <a:endParaRPr lang="en-US" sz="8800" dirty="0">
+              <a:t>How likely are participants win a leg after throwing a 180 as first throw?</a:t>
+            </a:r>
+            <a:endParaRPr lang="en-US" sz="4800" dirty="0">
               <a:solidFill>
                 <a:srgbClr val="9B0A7D"/>
               </a:solidFill>
@@ -3579,8 +3582,8 @@
         </p:nvSpPr>
         <p:spPr>
           <a:xfrm>
-            <a:off x="16045598" y="20482452"/>
-            <a:ext cx="2452825" cy="1446550"/>
+            <a:off x="14909806" y="19626205"/>
+            <a:ext cx="15034837" cy="1569660"/>
           </a:xfrm>
           <a:prstGeom prst="rect">
             <a:avLst/>
@@ -3594,14 +3597,14 @@
           <a:lstStyle/>
           <a:p>
             <a:r>
-              <a:rPr lang="tr-TR" sz="8800" dirty="0">
+              <a:rPr lang="en-GB" sz="4800" dirty="0">
                 <a:solidFill>
                   <a:srgbClr val="9B0A7D"/>
                 </a:solidFill>
               </a:rPr>
-              <a:t>RQ7: </a:t>
-            </a:r>
-            <a:endParaRPr lang="en-US" sz="8800" dirty="0">
+              <a:t>How does the general performance of players change over time?</a:t>
+            </a:r>
+            <a:endParaRPr lang="en-US" sz="4800" dirty="0">
               <a:solidFill>
                 <a:srgbClr val="9B0A7D"/>
               </a:solidFill>
@@ -3666,8 +3669,8 @@
         </p:nvSpPr>
         <p:spPr>
           <a:xfrm>
-            <a:off x="15992802" y="27037503"/>
-            <a:ext cx="2452825" cy="1446550"/>
+            <a:off x="14909805" y="24713283"/>
+            <a:ext cx="15034835" cy="1569660"/>
           </a:xfrm>
           <a:prstGeom prst="rect">
             <a:avLst/>
@@ -3681,14 +3684,14 @@
           <a:lstStyle/>
           <a:p>
             <a:r>
-              <a:rPr lang="tr-TR" sz="8800" dirty="0">
+              <a:rPr lang="en-GB" sz="4800" dirty="0">
                 <a:solidFill>
                   <a:srgbClr val="9B0A7D"/>
                 </a:solidFill>
               </a:rPr>
-              <a:t>R87: </a:t>
-            </a:r>
-            <a:endParaRPr lang="en-US" sz="8800" dirty="0">
+              <a:t>How does age, nationality and handiness effects the rankings?</a:t>
+            </a:r>
+            <a:endParaRPr lang="en-US" sz="4800" dirty="0">
               <a:solidFill>
                 <a:srgbClr val="9B0A7D"/>
               </a:solidFill>
@@ -3711,7 +3714,7 @@
         <p:spPr>
           <a:xfrm>
             <a:off x="1085850" y="35876868"/>
-            <a:ext cx="5882508" cy="1446550"/>
+            <a:ext cx="4065921" cy="1015663"/>
           </a:xfrm>
           <a:prstGeom prst="rect">
             <a:avLst/>
@@ -3725,7 +3728,7 @@
           <a:lstStyle/>
           <a:p>
             <a:r>
-              <a:rPr lang="en-US" sz="8800" noProof="0" dirty="0">
+              <a:rPr lang="en-US" sz="6000" noProof="0" dirty="0">
                 <a:solidFill>
                   <a:srgbClr val="9B0A7D"/>
                 </a:solidFill>
@@ -3750,7 +3753,7 @@
         <p:spPr>
           <a:xfrm>
             <a:off x="993600" y="37426099"/>
-            <a:ext cx="15440637" cy="1015663"/>
+            <a:ext cx="10227159" cy="707886"/>
           </a:xfrm>
           <a:prstGeom prst="rect">
             <a:avLst/>
@@ -3764,11 +3767,11 @@
           <a:lstStyle/>
           <a:p>
             <a:r>
-              <a:rPr lang="tr-TR" sz="6000" noProof="0" dirty="0"/>
+              <a:rPr lang="tr-TR" sz="4000" noProof="0" dirty="0"/>
               <a:t>List the</a:t>
             </a:r>
             <a:r>
-              <a:rPr lang="en-US" sz="6000" noProof="0" dirty="0"/>
+              <a:rPr lang="en-US" sz="4000" noProof="0" dirty="0"/>
               <a:t> refence of the APIs, resources you used. </a:t>
             </a:r>
           </a:p>
@@ -3824,25 +3827,6 @@
           <a:lstStyle/>
           <a:p>
             <a:pPr algn="ctr"/>
-            <a:r>
-              <a:rPr lang="tr-TR" sz="8000" dirty="0">
-                <a:solidFill>
-                  <a:schemeClr val="tx1"/>
-                </a:solidFill>
-              </a:rPr>
-              <a:t>QR</a:t>
-            </a:r>
-          </a:p>
-          <a:p>
-            <a:pPr algn="ctr"/>
-            <a:r>
-              <a:rPr lang="tr-TR" sz="8000" dirty="0">
-                <a:solidFill>
-                  <a:schemeClr val="tx1"/>
-                </a:solidFill>
-              </a:rPr>
-              <a:t>CODE</a:t>
-            </a:r>
             <a:endParaRPr lang="en-US" sz="8000" dirty="0">
               <a:solidFill>
                 <a:schemeClr val="tx1"/>
@@ -3851,6 +3835,85 @@
           </a:p>
         </p:txBody>
       </p:sp>
+      <p:sp>
+        <p:nvSpPr>
+          <p:cNvPr id="2" name="TextBox 25">
+            <a:extLst>
+              <a:ext uri="{FF2B5EF4-FFF2-40B4-BE49-F238E27FC236}">
+                <a16:creationId xmlns:a16="http://schemas.microsoft.com/office/drawing/2014/main" id="{0065BF61-98DC-B7C2-AB39-FEB14B562B4E}"/>
+              </a:ext>
+            </a:extLst>
+          </p:cNvPr>
+          <p:cNvSpPr txBox="1"/>
+          <p:nvPr/>
+        </p:nvSpPr>
+        <p:spPr>
+          <a:xfrm>
+            <a:off x="14909805" y="30351057"/>
+            <a:ext cx="15034830" cy="1569660"/>
+          </a:xfrm>
+          <a:prstGeom prst="rect">
+            <a:avLst/>
+          </a:prstGeom>
+          <a:noFill/>
+        </p:spPr>
+        <p:txBody>
+          <a:bodyPr wrap="square" rtlCol="0">
+            <a:spAutoFit/>
+          </a:bodyPr>
+          <a:lstStyle/>
+          <a:p>
+            <a:r>
+              <a:rPr lang="en-GB" sz="4800" dirty="0">
+                <a:solidFill>
+                  <a:srgbClr val="9B0A7D"/>
+                </a:solidFill>
+              </a:rPr>
+              <a:t>How does the performance of individual players change over time?</a:t>
+            </a:r>
+            <a:endParaRPr lang="en-US" sz="4800" dirty="0">
+              <a:solidFill>
+                <a:srgbClr val="9B0A7D"/>
+              </a:solidFill>
+            </a:endParaRPr>
+          </a:p>
+        </p:txBody>
+      </p:sp>
+      <p:pic>
+        <p:nvPicPr>
+          <p:cNvPr id="5" name="Grafik 4" descr="Ein Bild, das Muster, Grafiken, Pixel, Design enthält.&#10;&#10;KI-generierte Inhalte können fehlerhaft sein.">
+            <a:extLst>
+              <a:ext uri="{FF2B5EF4-FFF2-40B4-BE49-F238E27FC236}">
+                <a16:creationId xmlns:a16="http://schemas.microsoft.com/office/drawing/2014/main" id="{AF1ABF3E-6617-07BD-EFAD-9E4A4CD2DA8B}"/>
+              </a:ext>
+            </a:extLst>
+          </p:cNvPr>
+          <p:cNvPicPr>
+            <a:picLocks noChangeAspect="1"/>
+          </p:cNvPicPr>
+          <p:nvPr/>
+        </p:nvPicPr>
+        <p:blipFill>
+          <a:blip r:embed="rId3">
+            <a:extLst>
+              <a:ext uri="{28A0092B-C50C-407E-A947-70E740481C1C}">
+                <a14:useLocalDpi xmlns:a14="http://schemas.microsoft.com/office/drawing/2010/main" val="0"/>
+              </a:ext>
+            </a:extLst>
+          </a:blip>
+          <a:srcRect l="6993" t="8637" r="7303" b="7884"/>
+          <a:stretch/>
+        </p:blipFill>
+        <p:spPr>
+          <a:xfrm>
+            <a:off x="24970965" y="38274280"/>
+            <a:ext cx="3690520" cy="3594662"/>
+          </a:xfrm>
+          <a:prstGeom prst="rect">
+            <a:avLst/>
+          </a:prstGeom>
+        </p:spPr>
+      </p:pic>
     </p:spTree>
     <p:extLst>
       <p:ext uri="{BB962C8B-B14F-4D97-AF65-F5344CB8AC3E}">

--- a/Templates/DSP_POSTER_TEMPLATE.pptx
+++ b/Templates/DSP_POSTER_TEMPLATE.pptx
@@ -243,7 +243,7 @@
           <a:p>
             <a:fld id="{3A675787-DA3F-4332-A401-8C5831ED470E}" type="datetimeFigureOut">
               <a:rPr lang="en-US" smtClean="0"/>
-              <a:t>3/21/2025</a:t>
+              <a:t>3/24/2025</a:t>
             </a:fld>
             <a:endParaRPr lang="en-US"/>
           </a:p>
@@ -413,7 +413,7 @@
           <a:p>
             <a:fld id="{3A675787-DA3F-4332-A401-8C5831ED470E}" type="datetimeFigureOut">
               <a:rPr lang="en-US" smtClean="0"/>
-              <a:t>3/21/2025</a:t>
+              <a:t>3/24/2025</a:t>
             </a:fld>
             <a:endParaRPr lang="en-US"/>
           </a:p>
@@ -593,7 +593,7 @@
           <a:p>
             <a:fld id="{3A675787-DA3F-4332-A401-8C5831ED470E}" type="datetimeFigureOut">
               <a:rPr lang="en-US" smtClean="0"/>
-              <a:t>3/21/2025</a:t>
+              <a:t>3/24/2025</a:t>
             </a:fld>
             <a:endParaRPr lang="en-US"/>
           </a:p>
@@ -763,7 +763,7 @@
           <a:p>
             <a:fld id="{3A675787-DA3F-4332-A401-8C5831ED470E}" type="datetimeFigureOut">
               <a:rPr lang="en-US" smtClean="0"/>
-              <a:t>3/21/2025</a:t>
+              <a:t>3/24/2025</a:t>
             </a:fld>
             <a:endParaRPr lang="en-US"/>
           </a:p>
@@ -1007,7 +1007,7 @@
           <a:p>
             <a:fld id="{3A675787-DA3F-4332-A401-8C5831ED470E}" type="datetimeFigureOut">
               <a:rPr lang="en-US" smtClean="0"/>
-              <a:t>3/21/2025</a:t>
+              <a:t>3/24/2025</a:t>
             </a:fld>
             <a:endParaRPr lang="en-US"/>
           </a:p>
@@ -1239,7 +1239,7 @@
           <a:p>
             <a:fld id="{3A675787-DA3F-4332-A401-8C5831ED470E}" type="datetimeFigureOut">
               <a:rPr lang="en-US" smtClean="0"/>
-              <a:t>3/21/2025</a:t>
+              <a:t>3/24/2025</a:t>
             </a:fld>
             <a:endParaRPr lang="en-US"/>
           </a:p>
@@ -1606,7 +1606,7 @@
           <a:p>
             <a:fld id="{3A675787-DA3F-4332-A401-8C5831ED470E}" type="datetimeFigureOut">
               <a:rPr lang="en-US" smtClean="0"/>
-              <a:t>3/21/2025</a:t>
+              <a:t>3/24/2025</a:t>
             </a:fld>
             <a:endParaRPr lang="en-US"/>
           </a:p>
@@ -1724,7 +1724,7 @@
           <a:p>
             <a:fld id="{3A675787-DA3F-4332-A401-8C5831ED470E}" type="datetimeFigureOut">
               <a:rPr lang="en-US" smtClean="0"/>
-              <a:t>3/21/2025</a:t>
+              <a:t>3/24/2025</a:t>
             </a:fld>
             <a:endParaRPr lang="en-US"/>
           </a:p>
@@ -1819,7 +1819,7 @@
           <a:p>
             <a:fld id="{3A675787-DA3F-4332-A401-8C5831ED470E}" type="datetimeFigureOut">
               <a:rPr lang="en-US" smtClean="0"/>
-              <a:t>3/21/2025</a:t>
+              <a:t>3/24/2025</a:t>
             </a:fld>
             <a:endParaRPr lang="en-US"/>
           </a:p>
@@ -2096,7 +2096,7 @@
           <a:p>
             <a:fld id="{3A675787-DA3F-4332-A401-8C5831ED470E}" type="datetimeFigureOut">
               <a:rPr lang="en-US" smtClean="0"/>
-              <a:t>3/21/2025</a:t>
+              <a:t>3/24/2025</a:t>
             </a:fld>
             <a:endParaRPr lang="en-US"/>
           </a:p>
@@ -2353,7 +2353,7 @@
           <a:p>
             <a:fld id="{3A675787-DA3F-4332-A401-8C5831ED470E}" type="datetimeFigureOut">
               <a:rPr lang="en-US" smtClean="0"/>
-              <a:t>3/21/2025</a:t>
+              <a:t>3/24/2025</a:t>
             </a:fld>
             <a:endParaRPr lang="en-US"/>
           </a:p>
@@ -2566,7 +2566,7 @@
           <a:p>
             <a:fld id="{3A675787-DA3F-4332-A401-8C5831ED470E}" type="datetimeFigureOut">
               <a:rPr lang="en-US" smtClean="0"/>
-              <a:t>3/21/2025</a:t>
+              <a:t>3/24/2025</a:t>
             </a:fld>
             <a:endParaRPr lang="en-US"/>
           </a:p>
@@ -3295,7 +3295,7 @@
         <p:spPr>
           <a:xfrm>
             <a:off x="322618" y="14565711"/>
-            <a:ext cx="13839798" cy="830997"/>
+            <a:ext cx="13839798" cy="1569660"/>
           </a:xfrm>
           <a:prstGeom prst="rect">
             <a:avLst/>
@@ -3316,6 +3316,8 @@
               </a:rPr>
               <a:t>How do the averages of tournaments vary over time?</a:t>
             </a:r>
+          </a:p>
+          <a:p>
             <a:r>
               <a:rPr lang="tr-TR" sz="4800" dirty="0">
                 <a:solidFill>
@@ -3323,6 +3325,102 @@
                 </a:solidFill>
               </a:rPr>
               <a:t> </a:t>
+            </a:r>
+            <a:r>
+              <a:rPr lang="de-DE" sz="4800" dirty="0" err="1">
+                <a:solidFill>
+                  <a:srgbClr val="9B0A7D"/>
+                </a:solidFill>
+              </a:rPr>
+              <a:t>first</a:t>
+            </a:r>
+            <a:r>
+              <a:rPr lang="de-DE" sz="4800" dirty="0">
+                <a:solidFill>
+                  <a:srgbClr val="9B0A7D"/>
+                </a:solidFill>
+              </a:rPr>
+              <a:t> </a:t>
+            </a:r>
+            <a:r>
+              <a:rPr lang="de-DE" sz="4800" dirty="0" err="1">
+                <a:solidFill>
+                  <a:srgbClr val="9B0A7D"/>
+                </a:solidFill>
+              </a:rPr>
+              <a:t>diagram</a:t>
+            </a:r>
+            <a:r>
+              <a:rPr lang="de-DE" sz="4800" dirty="0">
+                <a:solidFill>
+                  <a:srgbClr val="9B0A7D"/>
+                </a:solidFill>
+              </a:rPr>
+              <a:t>: </a:t>
+            </a:r>
+            <a:r>
+              <a:rPr lang="de-DE" sz="4800" dirty="0" err="1">
+                <a:solidFill>
+                  <a:srgbClr val="9B0A7D"/>
+                </a:solidFill>
+              </a:rPr>
+              <a:t>two</a:t>
+            </a:r>
+            <a:r>
+              <a:rPr lang="de-DE" sz="4800" dirty="0">
+                <a:solidFill>
+                  <a:srgbClr val="9B0A7D"/>
+                </a:solidFill>
+              </a:rPr>
+              <a:t> </a:t>
+            </a:r>
+            <a:r>
+              <a:rPr lang="de-DE" sz="4800" dirty="0" err="1">
+                <a:solidFill>
+                  <a:srgbClr val="9B0A7D"/>
+                </a:solidFill>
+              </a:rPr>
+              <a:t>majors</a:t>
+            </a:r>
+            <a:r>
+              <a:rPr lang="de-DE" sz="4800" dirty="0">
+                <a:solidFill>
+                  <a:srgbClr val="9B0A7D"/>
+                </a:solidFill>
+              </a:rPr>
+              <a:t>, </a:t>
+            </a:r>
+            <a:r>
+              <a:rPr lang="de-DE" sz="4800" dirty="0" err="1">
+                <a:solidFill>
+                  <a:srgbClr val="9B0A7D"/>
+                </a:solidFill>
+              </a:rPr>
+              <a:t>regression</a:t>
+            </a:r>
+            <a:r>
+              <a:rPr lang="de-DE" sz="4800" dirty="0">
+                <a:solidFill>
+                  <a:srgbClr val="9B0A7D"/>
+                </a:solidFill>
+              </a:rPr>
+              <a:t>, </a:t>
+            </a:r>
+            <a:r>
+              <a:rPr lang="de-DE" sz="4800" dirty="0" err="1">
+                <a:solidFill>
+                  <a:srgbClr val="9B0A7D"/>
+                </a:solidFill>
+              </a:rPr>
+              <a:t>avg</a:t>
+            </a:r>
+            <a:r>
+              <a:rPr lang="de-DE" sz="4800" dirty="0">
+                <a:solidFill>
+                  <a:srgbClr val="9B0A7D"/>
+                </a:solidFill>
+              </a:rPr>
+              <a:t>.</a:t>
             </a:r>
             <a:endParaRPr lang="en-US" sz="4800" dirty="0">
               <a:solidFill>
@@ -3376,6 +3474,14 @@
               </a:rPr>
               <a:t> </a:t>
             </a:r>
+            <a:r>
+              <a:rPr lang="de-DE" sz="4800" dirty="0">
+                <a:solidFill>
+                  <a:srgbClr val="9B0A7D"/>
+                </a:solidFill>
+              </a:rPr>
+              <a:t>YES</a:t>
+            </a:r>
             <a:endParaRPr lang="en-US" sz="4800" dirty="0">
               <a:solidFill>
                 <a:srgbClr val="9B0A7D"/>
@@ -3428,6 +3534,46 @@
               </a:rPr>
               <a:t> </a:t>
             </a:r>
+            <a:r>
+              <a:rPr lang="de-DE" sz="4800" dirty="0">
+                <a:solidFill>
+                  <a:srgbClr val="9B0A7D"/>
+                </a:solidFill>
+              </a:rPr>
+              <a:t>NO (</a:t>
+            </a:r>
+            <a:r>
+              <a:rPr lang="de-DE" sz="4800" dirty="0" err="1">
+                <a:solidFill>
+                  <a:srgbClr val="9B0A7D"/>
+                </a:solidFill>
+              </a:rPr>
+              <a:t>maybe</a:t>
+            </a:r>
+            <a:r>
+              <a:rPr lang="de-DE" sz="4800" dirty="0">
+                <a:solidFill>
+                  <a:srgbClr val="9B0A7D"/>
+                </a:solidFill>
+              </a:rPr>
+              <a:t> </a:t>
+            </a:r>
+            <a:r>
+              <a:rPr lang="de-DE" sz="4800" dirty="0" err="1">
+                <a:solidFill>
+                  <a:srgbClr val="9B0A7D"/>
+                </a:solidFill>
+              </a:rPr>
+              <a:t>card</a:t>
+            </a:r>
+            <a:r>
+              <a:rPr lang="de-DE" sz="4800" dirty="0">
+                <a:solidFill>
+                  <a:srgbClr val="9B0A7D"/>
+                </a:solidFill>
+              </a:rPr>
+              <a:t>)</a:t>
+            </a:r>
             <a:endParaRPr lang="en-US" sz="4800" dirty="0">
               <a:solidFill>
                 <a:srgbClr val="9B0A7D"/>
@@ -3470,7 +3616,15 @@
                   <a:srgbClr val="9B0A7D"/>
                 </a:solidFill>
               </a:rPr>
-              <a:t>What are most popular double fields and their corresponding checkout quotes?</a:t>
+              <a:t>What are most popular double fields and their corresponding checkout quotes? Linke </a:t>
+            </a:r>
+            <a:r>
+              <a:rPr lang="en-GB" sz="4800" dirty="0" err="1">
+                <a:solidFill>
+                  <a:srgbClr val="9B0A7D"/>
+                </a:solidFill>
+              </a:rPr>
+              <a:t>Kreisdiagramme</a:t>
             </a:r>
             <a:endParaRPr lang="en-US" sz="4800" dirty="0">
               <a:solidFill>
@@ -3514,7 +3668,7 @@
                   <a:srgbClr val="9B0A7D"/>
                 </a:solidFill>
               </a:rPr>
-              <a:t>How likely is it to throw a 180 after the opponent threw one?</a:t>
+              <a:t>How likely is it to throw a 180 after the opponent threw one? NO</a:t>
             </a:r>
             <a:endParaRPr lang="en-US" sz="4800" dirty="0">
               <a:solidFill>
@@ -3558,7 +3712,7 @@
                   <a:srgbClr val="9B0A7D"/>
                 </a:solidFill>
               </a:rPr>
-              <a:t>How likely are participants win a leg after throwing a 180 as first throw?</a:t>
+              <a:t>How likely are participants win a leg after throwing a 180 as first throw? NO</a:t>
             </a:r>
             <a:endParaRPr lang="en-US" sz="4800" dirty="0">
               <a:solidFill>
@@ -3602,7 +3756,7 @@
                   <a:srgbClr val="9B0A7D"/>
                 </a:solidFill>
               </a:rPr>
-              <a:t>How does the general performance of players change over time?</a:t>
+              <a:t>How does the general performance of players change over time? NO</a:t>
             </a:r>
             <a:endParaRPr lang="en-US" sz="4800" dirty="0">
               <a:solidFill>
@@ -3689,7 +3843,7 @@
                   <a:srgbClr val="9B0A7D"/>
                 </a:solidFill>
               </a:rPr>
-              <a:t>How does age, nationality and handiness effects the rankings?</a:t>
+              <a:t>How does age, nationality and handiness effects the rankings? Absolute nationalities for 5</a:t>
             </a:r>
             <a:endParaRPr lang="en-US" sz="4800" dirty="0">
               <a:solidFill>
@@ -3869,7 +4023,7 @@
                   <a:srgbClr val="9B0A7D"/>
                 </a:solidFill>
               </a:rPr>
-              <a:t>How does the performance of individual players change over time?</a:t>
+              <a:t>How does the performance of individual players change over time? One player, second and third graph</a:t>
             </a:r>
             <a:endParaRPr lang="en-US" sz="4800" dirty="0">
               <a:solidFill>

--- a/Templates/DSP_POSTER_TEMPLATE.pptx
+++ b/Templates/DSP_POSTER_TEMPLATE.pptx
@@ -3294,7 +3294,7 @@
         </p:nvSpPr>
         <p:spPr>
           <a:xfrm>
-            <a:off x="322618" y="14565711"/>
+            <a:off x="322618" y="14339743"/>
             <a:ext cx="13839798" cy="1569660"/>
           </a:xfrm>
           <a:prstGeom prst="rect">
@@ -3314,18 +3314,10 @@
                   <a:srgbClr val="9B0A7D"/>
                 </a:solidFill>
               </a:rPr>
-              <a:t>How do the averages of tournaments vary over time?</a:t>
-            </a:r>
-          </a:p>
-          <a:p>
-            <a:r>
-              <a:rPr lang="tr-TR" sz="4800" dirty="0">
-                <a:solidFill>
-                  <a:srgbClr val="9B0A7D"/>
-                </a:solidFill>
-              </a:rPr>
-              <a:t> </a:t>
-            </a:r>
+              <a:t>2 How do the averages of tournaments vary over time?</a:t>
+            </a:r>
+          </a:p>
+          <a:p>
             <a:r>
               <a:rPr lang="de-DE" sz="4800" dirty="0" err="1">
                 <a:solidFill>
@@ -3444,7 +3436,7 @@
         </p:nvSpPr>
         <p:spPr>
           <a:xfrm>
-            <a:off x="322618" y="19609253"/>
+            <a:off x="322618" y="24097994"/>
             <a:ext cx="13839798" cy="1569660"/>
           </a:xfrm>
           <a:prstGeom prst="rect">
@@ -3464,7 +3456,7 @@
                   <a:srgbClr val="9B0A7D"/>
                 </a:solidFill>
               </a:rPr>
-              <a:t>How does the price money and number of participants vary over time?</a:t>
+              <a:t>5 How does the price money and number of participants vary over time?</a:t>
             </a:r>
             <a:r>
               <a:rPr lang="tr-TR" sz="4800" dirty="0">
@@ -3481,98 +3473,6 @@
                 </a:solidFill>
               </a:rPr>
               <a:t>YES</a:t>
-            </a:r>
-            <a:endParaRPr lang="en-US" sz="4800" dirty="0">
-              <a:solidFill>
-                <a:srgbClr val="9B0A7D"/>
-              </a:solidFill>
-            </a:endParaRPr>
-          </a:p>
-        </p:txBody>
-      </p:sp>
-      <p:sp>
-        <p:nvSpPr>
-          <p:cNvPr id="17" name="TextBox 16">
-            <a:extLst>
-              <a:ext uri="{FF2B5EF4-FFF2-40B4-BE49-F238E27FC236}">
-                <a16:creationId xmlns:a16="http://schemas.microsoft.com/office/drawing/2014/main" id="{6AE8B603-9299-6DF3-698C-915E3C0BA211}"/>
-              </a:ext>
-            </a:extLst>
-          </p:cNvPr>
-          <p:cNvSpPr txBox="1"/>
-          <p:nvPr/>
-        </p:nvSpPr>
-        <p:spPr>
-          <a:xfrm>
-            <a:off x="322618" y="24896879"/>
-            <a:ext cx="13839797" cy="1569660"/>
-          </a:xfrm>
-          <a:prstGeom prst="rect">
-            <a:avLst/>
-          </a:prstGeom>
-          <a:noFill/>
-        </p:spPr>
-        <p:txBody>
-          <a:bodyPr wrap="square" rtlCol="0">
-            <a:spAutoFit/>
-          </a:bodyPr>
-          <a:lstStyle/>
-          <a:p>
-            <a:r>
-              <a:rPr lang="en-GB" sz="4800" dirty="0">
-                <a:solidFill>
-                  <a:srgbClr val="9B0A7D"/>
-                </a:solidFill>
-              </a:rPr>
-              <a:t>How does the country a tournament is held in correlate to the success of players?</a:t>
-            </a:r>
-            <a:r>
-              <a:rPr lang="tr-TR" sz="4800" dirty="0">
-                <a:solidFill>
-                  <a:srgbClr val="9B0A7D"/>
-                </a:solidFill>
-              </a:rPr>
-              <a:t> </a:t>
-            </a:r>
-            <a:r>
-              <a:rPr lang="de-DE" sz="4800" dirty="0">
-                <a:solidFill>
-                  <a:srgbClr val="9B0A7D"/>
-                </a:solidFill>
-              </a:rPr>
-              <a:t>NO (</a:t>
-            </a:r>
-            <a:r>
-              <a:rPr lang="de-DE" sz="4800" dirty="0" err="1">
-                <a:solidFill>
-                  <a:srgbClr val="9B0A7D"/>
-                </a:solidFill>
-              </a:rPr>
-              <a:t>maybe</a:t>
-            </a:r>
-            <a:r>
-              <a:rPr lang="de-DE" sz="4800" dirty="0">
-                <a:solidFill>
-                  <a:srgbClr val="9B0A7D"/>
-                </a:solidFill>
-              </a:rPr>
-              <a:t> </a:t>
-            </a:r>
-            <a:r>
-              <a:rPr lang="de-DE" sz="4800" dirty="0" err="1">
-                <a:solidFill>
-                  <a:srgbClr val="9B0A7D"/>
-                </a:solidFill>
-              </a:rPr>
-              <a:t>card</a:t>
-            </a:r>
-            <a:r>
-              <a:rPr lang="de-DE" sz="4800" dirty="0">
-                <a:solidFill>
-                  <a:srgbClr val="9B0A7D"/>
-                </a:solidFill>
-              </a:rPr>
-              <a:t>)</a:t>
             </a:r>
             <a:endParaRPr lang="en-US" sz="4800" dirty="0">
               <a:solidFill>
@@ -3596,7 +3496,7 @@
         </p:nvSpPr>
         <p:spPr>
           <a:xfrm>
-            <a:off x="14909806" y="3760580"/>
+            <a:off x="15002815" y="3732931"/>
             <a:ext cx="15034841" cy="1569660"/>
           </a:xfrm>
           <a:prstGeom prst="rect">
@@ -3625,138 +3525,6 @@
                 </a:solidFill>
               </a:rPr>
               <a:t>Kreisdiagramme</a:t>
-            </a:r>
-            <a:endParaRPr lang="en-US" sz="4800" dirty="0">
-              <a:solidFill>
-                <a:srgbClr val="9B0A7D"/>
-              </a:solidFill>
-            </a:endParaRPr>
-          </a:p>
-        </p:txBody>
-      </p:sp>
-      <p:sp>
-        <p:nvSpPr>
-          <p:cNvPr id="19" name="TextBox 18">
-            <a:extLst>
-              <a:ext uri="{FF2B5EF4-FFF2-40B4-BE49-F238E27FC236}">
-                <a16:creationId xmlns:a16="http://schemas.microsoft.com/office/drawing/2014/main" id="{241A9AC6-05B0-ECC0-4E86-AFC697A0E18E}"/>
-              </a:ext>
-            </a:extLst>
-          </p:cNvPr>
-          <p:cNvSpPr txBox="1"/>
-          <p:nvPr/>
-        </p:nvSpPr>
-        <p:spPr>
-          <a:xfrm>
-            <a:off x="14909806" y="8406905"/>
-            <a:ext cx="15034840" cy="1569660"/>
-          </a:xfrm>
-          <a:prstGeom prst="rect">
-            <a:avLst/>
-          </a:prstGeom>
-          <a:noFill/>
-        </p:spPr>
-        <p:txBody>
-          <a:bodyPr wrap="square" rtlCol="0">
-            <a:spAutoFit/>
-          </a:bodyPr>
-          <a:lstStyle/>
-          <a:p>
-            <a:r>
-              <a:rPr lang="en-GB" sz="4800" dirty="0">
-                <a:solidFill>
-                  <a:srgbClr val="9B0A7D"/>
-                </a:solidFill>
-              </a:rPr>
-              <a:t>How likely is it to throw a 180 after the opponent threw one? NO</a:t>
-            </a:r>
-            <a:endParaRPr lang="en-US" sz="4800" dirty="0">
-              <a:solidFill>
-                <a:srgbClr val="9B0A7D"/>
-              </a:solidFill>
-            </a:endParaRPr>
-          </a:p>
-        </p:txBody>
-      </p:sp>
-      <p:sp>
-        <p:nvSpPr>
-          <p:cNvPr id="20" name="TextBox 19">
-            <a:extLst>
-              <a:ext uri="{FF2B5EF4-FFF2-40B4-BE49-F238E27FC236}">
-                <a16:creationId xmlns:a16="http://schemas.microsoft.com/office/drawing/2014/main" id="{E75B2E4B-A0A1-94E7-5395-AFDA89187B8A}"/>
-              </a:ext>
-            </a:extLst>
-          </p:cNvPr>
-          <p:cNvSpPr txBox="1"/>
-          <p:nvPr/>
-        </p:nvSpPr>
-        <p:spPr>
-          <a:xfrm>
-            <a:off x="14909806" y="13356852"/>
-            <a:ext cx="15034838" cy="1569660"/>
-          </a:xfrm>
-          <a:prstGeom prst="rect">
-            <a:avLst/>
-          </a:prstGeom>
-          <a:noFill/>
-        </p:spPr>
-        <p:txBody>
-          <a:bodyPr wrap="square" rtlCol="0">
-            <a:spAutoFit/>
-          </a:bodyPr>
-          <a:lstStyle/>
-          <a:p>
-            <a:r>
-              <a:rPr lang="en-GB" sz="4800" dirty="0">
-                <a:solidFill>
-                  <a:srgbClr val="9B0A7D"/>
-                </a:solidFill>
-              </a:rPr>
-              <a:t>How likely are participants win a leg after throwing a 180 as first throw? NO</a:t>
-            </a:r>
-            <a:endParaRPr lang="en-US" sz="4800" dirty="0">
-              <a:solidFill>
-                <a:srgbClr val="9B0A7D"/>
-              </a:solidFill>
-            </a:endParaRPr>
-          </a:p>
-        </p:txBody>
-      </p:sp>
-      <p:sp>
-        <p:nvSpPr>
-          <p:cNvPr id="21" name="TextBox 20">
-            <a:extLst>
-              <a:ext uri="{FF2B5EF4-FFF2-40B4-BE49-F238E27FC236}">
-                <a16:creationId xmlns:a16="http://schemas.microsoft.com/office/drawing/2014/main" id="{C8BA1128-1ABF-425E-105D-C1AA64D70DE7}"/>
-              </a:ext>
-            </a:extLst>
-          </p:cNvPr>
-          <p:cNvSpPr txBox="1"/>
-          <p:nvPr/>
-        </p:nvSpPr>
-        <p:spPr>
-          <a:xfrm>
-            <a:off x="14909806" y="19626205"/>
-            <a:ext cx="15034837" cy="1569660"/>
-          </a:xfrm>
-          <a:prstGeom prst="rect">
-            <a:avLst/>
-          </a:prstGeom>
-          <a:noFill/>
-        </p:spPr>
-        <p:txBody>
-          <a:bodyPr wrap="square" rtlCol="0">
-            <a:spAutoFit/>
-          </a:bodyPr>
-          <a:lstStyle/>
-          <a:p>
-            <a:r>
-              <a:rPr lang="en-GB" sz="4800" dirty="0">
-                <a:solidFill>
-                  <a:srgbClr val="9B0A7D"/>
-                </a:solidFill>
-              </a:rPr>
-              <a:t>How does the general performance of players change over time? NO</a:t>
             </a:r>
             <a:endParaRPr lang="en-US" sz="4800" dirty="0">
               <a:solidFill>
@@ -3823,7 +3591,7 @@
         </p:nvSpPr>
         <p:spPr>
           <a:xfrm>
-            <a:off x="14909805" y="24713283"/>
+            <a:off x="15002815" y="14339743"/>
             <a:ext cx="15034835" cy="1569660"/>
           </a:xfrm>
           <a:prstGeom prst="rect">
@@ -3843,7 +3611,7 @@
                   <a:srgbClr val="9B0A7D"/>
                 </a:solidFill>
               </a:rPr>
-              <a:t>How does age, nationality and handiness effects the rankings? Absolute nationalities for 5</a:t>
+              <a:t>How does age, nationality and handiness effects the rankings? Absolute nationalities for 5 (card from 7)</a:t>
             </a:r>
             <a:endParaRPr lang="en-US" sz="4800" dirty="0">
               <a:solidFill>
@@ -4003,7 +3771,7 @@
         </p:nvSpPr>
         <p:spPr>
           <a:xfrm>
-            <a:off x="14909805" y="30351057"/>
+            <a:off x="15002820" y="24097994"/>
             <a:ext cx="15034830" cy="1569660"/>
           </a:xfrm>
           <a:prstGeom prst="rect">

--- a/Templates/DSP_POSTER_TEMPLATE.pptx
+++ b/Templates/DSP_POSTER_TEMPLATE.pptx
@@ -3516,7 +3516,7 @@
                   <a:srgbClr val="9B0A7D"/>
                 </a:solidFill>
               </a:rPr>
-              <a:t>What are most popular double fields and their corresponding checkout quotes? Linke </a:t>
+              <a:t>4 What are most popular double fields and their corresponding checkout quotes? Linke </a:t>
             </a:r>
             <a:r>
               <a:rPr lang="en-GB" sz="4800" dirty="0" err="1">
@@ -3611,7 +3611,7 @@
                   <a:srgbClr val="9B0A7D"/>
                 </a:solidFill>
               </a:rPr>
-              <a:t>How does age, nationality and handiness effects the rankings? Absolute nationalities for 5 (card from 7)</a:t>
+              <a:t>6 How does age, nationality and handiness effects the rankings? Absolute nationalities for 5 (card from 7)</a:t>
             </a:r>
             <a:endParaRPr lang="en-US" sz="4800" dirty="0">
               <a:solidFill>
@@ -3791,7 +3791,7 @@
                   <a:srgbClr val="9B0A7D"/>
                 </a:solidFill>
               </a:rPr>
-              <a:t>How does the performance of individual players change over time? One player, second and third graph</a:t>
+              <a:t>15 How does the performance of individual players change over time? One player, second and third graph</a:t>
             </a:r>
             <a:endParaRPr lang="en-US" sz="4800" dirty="0">
               <a:solidFill>

--- a/Templates/DSP_POSTER_TEMPLATE.pptx
+++ b/Templates/DSP_POSTER_TEMPLATE.pptx
@@ -3295,7 +3295,7 @@
         <p:spPr>
           <a:xfrm>
             <a:off x="322618" y="14339743"/>
-            <a:ext cx="13839798" cy="1569660"/>
+            <a:ext cx="13839798" cy="2308324"/>
           </a:xfrm>
           <a:prstGeom prst="rect">
             <a:avLst/>
@@ -3356,7 +3356,7 @@
                   <a:srgbClr val="9B0A7D"/>
                 </a:solidFill>
               </a:rPr>
-              <a:t>two</a:t>
+              <a:t>world</a:t>
             </a:r>
             <a:r>
               <a:rPr lang="de-DE" sz="4800" dirty="0">
@@ -3372,7 +3372,39 @@
                   <a:srgbClr val="9B0A7D"/>
                 </a:solidFill>
               </a:rPr>
-              <a:t>majors</a:t>
+              <a:t>championship</a:t>
+            </a:r>
+            <a:r>
+              <a:rPr lang="de-DE" sz="4800" dirty="0">
+                <a:solidFill>
+                  <a:srgbClr val="9B0A7D"/>
+                </a:solidFill>
+              </a:rPr>
+              <a:t>, </a:t>
+            </a:r>
+            <a:r>
+              <a:rPr lang="de-DE" sz="4800" dirty="0" err="1">
+                <a:solidFill>
+                  <a:srgbClr val="9B0A7D"/>
+                </a:solidFill>
+              </a:rPr>
+              <a:t>players</a:t>
+            </a:r>
+            <a:r>
+              <a:rPr lang="de-DE" sz="4800" dirty="0">
+                <a:solidFill>
+                  <a:srgbClr val="9B0A7D"/>
+                </a:solidFill>
+              </a:rPr>
+              <a:t> </a:t>
+            </a:r>
+            <a:r>
+              <a:rPr lang="de-DE" sz="4800" dirty="0" err="1">
+                <a:solidFill>
+                  <a:srgbClr val="9B0A7D"/>
+                </a:solidFill>
+              </a:rPr>
+              <a:t>championship</a:t>
             </a:r>
             <a:r>
               <a:rPr lang="de-DE" sz="4800" dirty="0">
